--- a/02b Installation.pptx
+++ b/02b Installation.pptx
@@ -3082,6 +3082,53 @@
           </a:prstGeom>
         </p:spPr>
       </p:pic>
+      <p:sp>
+        <p:nvSpPr>
+          <p:cNvPr id="4" name="Rectangle 3">
+            <a:extLst>
+              <a:ext uri="{FF2B5EF4-FFF2-40B4-BE49-F238E27FC236}">
+                <a16:creationId xmlns:a16="http://schemas.microsoft.com/office/drawing/2014/main" id="{F532B0BD-E0B5-BC4E-ACCF-9B98453F0B2B}"/>
+              </a:ext>
+            </a:extLst>
+          </p:cNvPr>
+          <p:cNvSpPr/>
+          <p:nvPr/>
+        </p:nvSpPr>
+        <p:spPr>
+          <a:xfrm>
+            <a:off x="3317572" y="1952864"/>
+            <a:ext cx="1015489" cy="923590"/>
+          </a:xfrm>
+          <a:prstGeom prst="rect">
+            <a:avLst/>
+          </a:prstGeom>
+          <a:noFill/>
+        </p:spPr>
+        <p:style>
+          <a:lnRef idx="2">
+            <a:schemeClr val="accent1">
+              <a:shade val="50000"/>
+            </a:schemeClr>
+          </a:lnRef>
+          <a:fillRef idx="1">
+            <a:schemeClr val="accent1"/>
+          </a:fillRef>
+          <a:effectRef idx="0">
+            <a:schemeClr val="accent1"/>
+          </a:effectRef>
+          <a:fontRef idx="minor">
+            <a:schemeClr val="lt1"/>
+          </a:fontRef>
+        </p:style>
+        <p:txBody>
+          <a:bodyPr rtlCol="0" anchor="ctr"/>
+          <a:lstStyle/>
+          <a:p>
+            <a:pPr algn="ctr"/>
+            <a:endParaRPr lang="en-US"/>
+          </a:p>
+        </p:txBody>
+      </p:sp>
     </p:spTree>
     <p:extLst>
       <p:ext uri="{BB962C8B-B14F-4D97-AF65-F5344CB8AC3E}">
@@ -3104,6 +3151,84 @@
       </p:transition>
     </mc:Fallback>
   </mc:AlternateContent>
+  <p:timing>
+    <p:tnLst>
+      <p:par>
+        <p:cTn id="1" dur="indefinite" restart="never" nodeType="tmRoot">
+          <p:childTnLst>
+            <p:seq concurrent="1" nextAc="seek">
+              <p:cTn id="2" dur="indefinite" nodeType="mainSeq">
+                <p:childTnLst>
+                  <p:par>
+                    <p:cTn id="3" fill="hold">
+                      <p:stCondLst>
+                        <p:cond delay="indefinite"/>
+                      </p:stCondLst>
+                      <p:childTnLst>
+                        <p:par>
+                          <p:cTn id="4" fill="hold">
+                            <p:stCondLst>
+                              <p:cond delay="0"/>
+                            </p:stCondLst>
+                            <p:childTnLst>
+                              <p:par>
+                                <p:cTn id="5" presetID="1" presetClass="entr" presetSubtype="0" fill="hold" grpId="0" nodeType="clickEffect">
+                                  <p:stCondLst>
+                                    <p:cond delay="0"/>
+                                  </p:stCondLst>
+                                  <p:childTnLst>
+                                    <p:set>
+                                      <p:cBhvr>
+                                        <p:cTn id="6" dur="1" fill="hold">
+                                          <p:stCondLst>
+                                            <p:cond delay="0"/>
+                                          </p:stCondLst>
+                                        </p:cTn>
+                                        <p:tgtEl>
+                                          <p:spTgt spid="4"/>
+                                        </p:tgtEl>
+                                        <p:attrNameLst>
+                                          <p:attrName>style.visibility</p:attrName>
+                                        </p:attrNameLst>
+                                      </p:cBhvr>
+                                      <p:to>
+                                        <p:strVal val="visible"/>
+                                      </p:to>
+                                    </p:set>
+                                  </p:childTnLst>
+                                </p:cTn>
+                              </p:par>
+                            </p:childTnLst>
+                          </p:cTn>
+                        </p:par>
+                      </p:childTnLst>
+                    </p:cTn>
+                  </p:par>
+                </p:childTnLst>
+              </p:cTn>
+              <p:prevCondLst>
+                <p:cond evt="onPrev" delay="0">
+                  <p:tgtEl>
+                    <p:sldTgt/>
+                  </p:tgtEl>
+                </p:cond>
+              </p:prevCondLst>
+              <p:nextCondLst>
+                <p:cond evt="onNext" delay="0">
+                  <p:tgtEl>
+                    <p:sldTgt/>
+                  </p:tgtEl>
+                </p:cond>
+              </p:nextCondLst>
+            </p:seq>
+          </p:childTnLst>
+        </p:cTn>
+      </p:par>
+    </p:tnLst>
+    <p:bldLst>
+      <p:bldP spid="4" grpId="0" animBg="1"/>
+    </p:bldLst>
+  </p:timing>
 </p:sld>
 </file>
 
@@ -3154,6 +3279,53 @@
           </a:prstGeom>
         </p:spPr>
       </p:pic>
+      <p:sp>
+        <p:nvSpPr>
+          <p:cNvPr id="4" name="Rectangle 3">
+            <a:extLst>
+              <a:ext uri="{FF2B5EF4-FFF2-40B4-BE49-F238E27FC236}">
+                <a16:creationId xmlns:a16="http://schemas.microsoft.com/office/drawing/2014/main" id="{B1D9FD5E-D236-E84D-8B11-C85D6EB3294A}"/>
+              </a:ext>
+            </a:extLst>
+          </p:cNvPr>
+          <p:cNvSpPr/>
+          <p:nvPr/>
+        </p:nvSpPr>
+        <p:spPr>
+          <a:xfrm>
+            <a:off x="4999334" y="1994219"/>
+            <a:ext cx="813310" cy="280293"/>
+          </a:xfrm>
+          <a:prstGeom prst="rect">
+            <a:avLst/>
+          </a:prstGeom>
+          <a:noFill/>
+        </p:spPr>
+        <p:style>
+          <a:lnRef idx="2">
+            <a:schemeClr val="accent1">
+              <a:shade val="50000"/>
+            </a:schemeClr>
+          </a:lnRef>
+          <a:fillRef idx="1">
+            <a:schemeClr val="accent1"/>
+          </a:fillRef>
+          <a:effectRef idx="0">
+            <a:schemeClr val="accent1"/>
+          </a:effectRef>
+          <a:fontRef idx="minor">
+            <a:schemeClr val="lt1"/>
+          </a:fontRef>
+        </p:style>
+        <p:txBody>
+          <a:bodyPr rtlCol="0" anchor="ctr"/>
+          <a:lstStyle/>
+          <a:p>
+            <a:pPr algn="ctr"/>
+            <a:endParaRPr lang="en-US"/>
+          </a:p>
+        </p:txBody>
+      </p:sp>
     </p:spTree>
     <p:extLst>
       <p:ext uri="{BB962C8B-B14F-4D97-AF65-F5344CB8AC3E}">
@@ -3176,6 +3348,84 @@
       </p:transition>
     </mc:Fallback>
   </mc:AlternateContent>
+  <p:timing>
+    <p:tnLst>
+      <p:par>
+        <p:cTn id="1" dur="indefinite" restart="never" nodeType="tmRoot">
+          <p:childTnLst>
+            <p:seq concurrent="1" nextAc="seek">
+              <p:cTn id="2" dur="indefinite" nodeType="mainSeq">
+                <p:childTnLst>
+                  <p:par>
+                    <p:cTn id="3" fill="hold">
+                      <p:stCondLst>
+                        <p:cond delay="indefinite"/>
+                      </p:stCondLst>
+                      <p:childTnLst>
+                        <p:par>
+                          <p:cTn id="4" fill="hold">
+                            <p:stCondLst>
+                              <p:cond delay="0"/>
+                            </p:stCondLst>
+                            <p:childTnLst>
+                              <p:par>
+                                <p:cTn id="5" presetID="1" presetClass="entr" presetSubtype="0" fill="hold" grpId="0" nodeType="clickEffect">
+                                  <p:stCondLst>
+                                    <p:cond delay="0"/>
+                                  </p:stCondLst>
+                                  <p:childTnLst>
+                                    <p:set>
+                                      <p:cBhvr>
+                                        <p:cTn id="6" dur="1" fill="hold">
+                                          <p:stCondLst>
+                                            <p:cond delay="0"/>
+                                          </p:stCondLst>
+                                        </p:cTn>
+                                        <p:tgtEl>
+                                          <p:spTgt spid="4"/>
+                                        </p:tgtEl>
+                                        <p:attrNameLst>
+                                          <p:attrName>style.visibility</p:attrName>
+                                        </p:attrNameLst>
+                                      </p:cBhvr>
+                                      <p:to>
+                                        <p:strVal val="visible"/>
+                                      </p:to>
+                                    </p:set>
+                                  </p:childTnLst>
+                                </p:cTn>
+                              </p:par>
+                            </p:childTnLst>
+                          </p:cTn>
+                        </p:par>
+                      </p:childTnLst>
+                    </p:cTn>
+                  </p:par>
+                </p:childTnLst>
+              </p:cTn>
+              <p:prevCondLst>
+                <p:cond evt="onPrev" delay="0">
+                  <p:tgtEl>
+                    <p:sldTgt/>
+                  </p:tgtEl>
+                </p:cond>
+              </p:prevCondLst>
+              <p:nextCondLst>
+                <p:cond evt="onNext" delay="0">
+                  <p:tgtEl>
+                    <p:sldTgt/>
+                  </p:tgtEl>
+                </p:cond>
+              </p:nextCondLst>
+            </p:seq>
+          </p:childTnLst>
+        </p:cTn>
+      </p:par>
+    </p:tnLst>
+    <p:bldLst>
+      <p:bldP spid="4" grpId="0" animBg="1"/>
+    </p:bldLst>
+  </p:timing>
 </p:sld>
 </file>
 
@@ -3226,6 +3476,53 @@
           </a:prstGeom>
         </p:spPr>
       </p:pic>
+      <p:sp>
+        <p:nvSpPr>
+          <p:cNvPr id="4" name="Rectangle 3">
+            <a:extLst>
+              <a:ext uri="{FF2B5EF4-FFF2-40B4-BE49-F238E27FC236}">
+                <a16:creationId xmlns:a16="http://schemas.microsoft.com/office/drawing/2014/main" id="{F0BE95EB-4FFB-A84B-BC0A-1D8E965E6C2C}"/>
+              </a:ext>
+            </a:extLst>
+          </p:cNvPr>
+          <p:cNvSpPr/>
+          <p:nvPr/>
+        </p:nvSpPr>
+        <p:spPr>
+          <a:xfrm>
+            <a:off x="1557697" y="2334248"/>
+            <a:ext cx="441117" cy="271104"/>
+          </a:xfrm>
+          <a:prstGeom prst="rect">
+            <a:avLst/>
+          </a:prstGeom>
+          <a:noFill/>
+        </p:spPr>
+        <p:style>
+          <a:lnRef idx="2">
+            <a:schemeClr val="accent1">
+              <a:shade val="50000"/>
+            </a:schemeClr>
+          </a:lnRef>
+          <a:fillRef idx="1">
+            <a:schemeClr val="accent1"/>
+          </a:fillRef>
+          <a:effectRef idx="0">
+            <a:schemeClr val="accent1"/>
+          </a:effectRef>
+          <a:fontRef idx="minor">
+            <a:schemeClr val="lt1"/>
+          </a:fontRef>
+        </p:style>
+        <p:txBody>
+          <a:bodyPr rtlCol="0" anchor="ctr"/>
+          <a:lstStyle/>
+          <a:p>
+            <a:pPr algn="ctr"/>
+            <a:endParaRPr lang="en-US"/>
+          </a:p>
+        </p:txBody>
+      </p:sp>
     </p:spTree>
     <p:extLst>
       <p:ext uri="{BB962C8B-B14F-4D97-AF65-F5344CB8AC3E}">
@@ -3248,6 +3545,84 @@
       </p:transition>
     </mc:Fallback>
   </mc:AlternateContent>
+  <p:timing>
+    <p:tnLst>
+      <p:par>
+        <p:cTn id="1" dur="indefinite" restart="never" nodeType="tmRoot">
+          <p:childTnLst>
+            <p:seq concurrent="1" nextAc="seek">
+              <p:cTn id="2" dur="indefinite" nodeType="mainSeq">
+                <p:childTnLst>
+                  <p:par>
+                    <p:cTn id="3" fill="hold">
+                      <p:stCondLst>
+                        <p:cond delay="indefinite"/>
+                      </p:stCondLst>
+                      <p:childTnLst>
+                        <p:par>
+                          <p:cTn id="4" fill="hold">
+                            <p:stCondLst>
+                              <p:cond delay="0"/>
+                            </p:stCondLst>
+                            <p:childTnLst>
+                              <p:par>
+                                <p:cTn id="5" presetID="1" presetClass="entr" presetSubtype="0" fill="hold" grpId="0" nodeType="clickEffect">
+                                  <p:stCondLst>
+                                    <p:cond delay="0"/>
+                                  </p:stCondLst>
+                                  <p:childTnLst>
+                                    <p:set>
+                                      <p:cBhvr>
+                                        <p:cTn id="6" dur="1" fill="hold">
+                                          <p:stCondLst>
+                                            <p:cond delay="0"/>
+                                          </p:stCondLst>
+                                        </p:cTn>
+                                        <p:tgtEl>
+                                          <p:spTgt spid="4"/>
+                                        </p:tgtEl>
+                                        <p:attrNameLst>
+                                          <p:attrName>style.visibility</p:attrName>
+                                        </p:attrNameLst>
+                                      </p:cBhvr>
+                                      <p:to>
+                                        <p:strVal val="visible"/>
+                                      </p:to>
+                                    </p:set>
+                                  </p:childTnLst>
+                                </p:cTn>
+                              </p:par>
+                            </p:childTnLst>
+                          </p:cTn>
+                        </p:par>
+                      </p:childTnLst>
+                    </p:cTn>
+                  </p:par>
+                </p:childTnLst>
+              </p:cTn>
+              <p:prevCondLst>
+                <p:cond evt="onPrev" delay="0">
+                  <p:tgtEl>
+                    <p:sldTgt/>
+                  </p:tgtEl>
+                </p:cond>
+              </p:prevCondLst>
+              <p:nextCondLst>
+                <p:cond evt="onNext" delay="0">
+                  <p:tgtEl>
+                    <p:sldTgt/>
+                  </p:tgtEl>
+                </p:cond>
+              </p:nextCondLst>
+            </p:seq>
+          </p:childTnLst>
+        </p:cTn>
+      </p:par>
+    </p:tnLst>
+    <p:bldLst>
+      <p:bldP spid="4" grpId="0" animBg="1"/>
+    </p:bldLst>
+  </p:timing>
 </p:sld>
 </file>
 
@@ -3298,6 +3673,53 @@
           </a:prstGeom>
         </p:spPr>
       </p:pic>
+      <p:sp>
+        <p:nvSpPr>
+          <p:cNvPr id="4" name="Rectangle 3">
+            <a:extLst>
+              <a:ext uri="{FF2B5EF4-FFF2-40B4-BE49-F238E27FC236}">
+                <a16:creationId xmlns:a16="http://schemas.microsoft.com/office/drawing/2014/main" id="{F4831C00-FE56-7049-B312-FABBC9C80486}"/>
+              </a:ext>
+            </a:extLst>
+          </p:cNvPr>
+          <p:cNvSpPr/>
+          <p:nvPr/>
+        </p:nvSpPr>
+        <p:spPr>
+          <a:xfrm>
+            <a:off x="2816720" y="1851775"/>
+            <a:ext cx="3556510" cy="441117"/>
+          </a:xfrm>
+          <a:prstGeom prst="rect">
+            <a:avLst/>
+          </a:prstGeom>
+          <a:noFill/>
+        </p:spPr>
+        <p:style>
+          <a:lnRef idx="2">
+            <a:schemeClr val="accent1">
+              <a:shade val="50000"/>
+            </a:schemeClr>
+          </a:lnRef>
+          <a:fillRef idx="1">
+            <a:schemeClr val="accent1"/>
+          </a:fillRef>
+          <a:effectRef idx="0">
+            <a:schemeClr val="accent1"/>
+          </a:effectRef>
+          <a:fontRef idx="minor">
+            <a:schemeClr val="lt1"/>
+          </a:fontRef>
+        </p:style>
+        <p:txBody>
+          <a:bodyPr rtlCol="0" anchor="ctr"/>
+          <a:lstStyle/>
+          <a:p>
+            <a:pPr algn="ctr"/>
+            <a:endParaRPr lang="en-US"/>
+          </a:p>
+        </p:txBody>
+      </p:sp>
     </p:spTree>
     <p:extLst>
       <p:ext uri="{BB962C8B-B14F-4D97-AF65-F5344CB8AC3E}">
@@ -3320,6 +3742,84 @@
       </p:transition>
     </mc:Fallback>
   </mc:AlternateContent>
+  <p:timing>
+    <p:tnLst>
+      <p:par>
+        <p:cTn id="1" dur="indefinite" restart="never" nodeType="tmRoot">
+          <p:childTnLst>
+            <p:seq concurrent="1" nextAc="seek">
+              <p:cTn id="2" dur="indefinite" nodeType="mainSeq">
+                <p:childTnLst>
+                  <p:par>
+                    <p:cTn id="3" fill="hold">
+                      <p:stCondLst>
+                        <p:cond delay="indefinite"/>
+                      </p:stCondLst>
+                      <p:childTnLst>
+                        <p:par>
+                          <p:cTn id="4" fill="hold">
+                            <p:stCondLst>
+                              <p:cond delay="0"/>
+                            </p:stCondLst>
+                            <p:childTnLst>
+                              <p:par>
+                                <p:cTn id="5" presetID="1" presetClass="entr" presetSubtype="0" fill="hold" grpId="0" nodeType="clickEffect">
+                                  <p:stCondLst>
+                                    <p:cond delay="0"/>
+                                  </p:stCondLst>
+                                  <p:childTnLst>
+                                    <p:set>
+                                      <p:cBhvr>
+                                        <p:cTn id="6" dur="1" fill="hold">
+                                          <p:stCondLst>
+                                            <p:cond delay="0"/>
+                                          </p:stCondLst>
+                                        </p:cTn>
+                                        <p:tgtEl>
+                                          <p:spTgt spid="4"/>
+                                        </p:tgtEl>
+                                        <p:attrNameLst>
+                                          <p:attrName>style.visibility</p:attrName>
+                                        </p:attrNameLst>
+                                      </p:cBhvr>
+                                      <p:to>
+                                        <p:strVal val="visible"/>
+                                      </p:to>
+                                    </p:set>
+                                  </p:childTnLst>
+                                </p:cTn>
+                              </p:par>
+                            </p:childTnLst>
+                          </p:cTn>
+                        </p:par>
+                      </p:childTnLst>
+                    </p:cTn>
+                  </p:par>
+                </p:childTnLst>
+              </p:cTn>
+              <p:prevCondLst>
+                <p:cond evt="onPrev" delay="0">
+                  <p:tgtEl>
+                    <p:sldTgt/>
+                  </p:tgtEl>
+                </p:cond>
+              </p:prevCondLst>
+              <p:nextCondLst>
+                <p:cond evt="onNext" delay="0">
+                  <p:tgtEl>
+                    <p:sldTgt/>
+                  </p:tgtEl>
+                </p:cond>
+              </p:nextCondLst>
+            </p:seq>
+          </p:childTnLst>
+        </p:cTn>
+      </p:par>
+    </p:tnLst>
+    <p:bldLst>
+      <p:bldP spid="4" grpId="0" animBg="1"/>
+    </p:bldLst>
+  </p:timing>
 </p:sld>
 </file>
 
@@ -3370,6 +3870,53 @@
           </a:prstGeom>
         </p:spPr>
       </p:pic>
+      <p:sp>
+        <p:nvSpPr>
+          <p:cNvPr id="4" name="Rectangle 3">
+            <a:extLst>
+              <a:ext uri="{FF2B5EF4-FFF2-40B4-BE49-F238E27FC236}">
+                <a16:creationId xmlns:a16="http://schemas.microsoft.com/office/drawing/2014/main" id="{39D9C11C-ECD0-CB49-AFDE-73490C685031}"/>
+              </a:ext>
+            </a:extLst>
+          </p:cNvPr>
+          <p:cNvSpPr/>
+          <p:nvPr/>
+        </p:nvSpPr>
+        <p:spPr>
+          <a:xfrm>
+            <a:off x="2936189" y="2242348"/>
+            <a:ext cx="1043059" cy="280293"/>
+          </a:xfrm>
+          <a:prstGeom prst="rect">
+            <a:avLst/>
+          </a:prstGeom>
+          <a:noFill/>
+        </p:spPr>
+        <p:style>
+          <a:lnRef idx="2">
+            <a:schemeClr val="accent1">
+              <a:shade val="50000"/>
+            </a:schemeClr>
+          </a:lnRef>
+          <a:fillRef idx="1">
+            <a:schemeClr val="accent1"/>
+          </a:fillRef>
+          <a:effectRef idx="0">
+            <a:schemeClr val="accent1"/>
+          </a:effectRef>
+          <a:fontRef idx="minor">
+            <a:schemeClr val="lt1"/>
+          </a:fontRef>
+        </p:style>
+        <p:txBody>
+          <a:bodyPr rtlCol="0" anchor="ctr"/>
+          <a:lstStyle/>
+          <a:p>
+            <a:pPr algn="ctr"/>
+            <a:endParaRPr lang="en-US"/>
+          </a:p>
+        </p:txBody>
+      </p:sp>
     </p:spTree>
     <p:extLst>
       <p:ext uri="{BB962C8B-B14F-4D97-AF65-F5344CB8AC3E}">
@@ -3392,6 +3939,84 @@
       </p:transition>
     </mc:Fallback>
   </mc:AlternateContent>
+  <p:timing>
+    <p:tnLst>
+      <p:par>
+        <p:cTn id="1" dur="indefinite" restart="never" nodeType="tmRoot">
+          <p:childTnLst>
+            <p:seq concurrent="1" nextAc="seek">
+              <p:cTn id="2" dur="indefinite" nodeType="mainSeq">
+                <p:childTnLst>
+                  <p:par>
+                    <p:cTn id="3" fill="hold">
+                      <p:stCondLst>
+                        <p:cond delay="indefinite"/>
+                      </p:stCondLst>
+                      <p:childTnLst>
+                        <p:par>
+                          <p:cTn id="4" fill="hold">
+                            <p:stCondLst>
+                              <p:cond delay="0"/>
+                            </p:stCondLst>
+                            <p:childTnLst>
+                              <p:par>
+                                <p:cTn id="5" presetID="1" presetClass="entr" presetSubtype="0" fill="hold" grpId="0" nodeType="clickEffect">
+                                  <p:stCondLst>
+                                    <p:cond delay="0"/>
+                                  </p:stCondLst>
+                                  <p:childTnLst>
+                                    <p:set>
+                                      <p:cBhvr>
+                                        <p:cTn id="6" dur="1" fill="hold">
+                                          <p:stCondLst>
+                                            <p:cond delay="0"/>
+                                          </p:stCondLst>
+                                        </p:cTn>
+                                        <p:tgtEl>
+                                          <p:spTgt spid="4"/>
+                                        </p:tgtEl>
+                                        <p:attrNameLst>
+                                          <p:attrName>style.visibility</p:attrName>
+                                        </p:attrNameLst>
+                                      </p:cBhvr>
+                                      <p:to>
+                                        <p:strVal val="visible"/>
+                                      </p:to>
+                                    </p:set>
+                                  </p:childTnLst>
+                                </p:cTn>
+                              </p:par>
+                            </p:childTnLst>
+                          </p:cTn>
+                        </p:par>
+                      </p:childTnLst>
+                    </p:cTn>
+                  </p:par>
+                </p:childTnLst>
+              </p:cTn>
+              <p:prevCondLst>
+                <p:cond evt="onPrev" delay="0">
+                  <p:tgtEl>
+                    <p:sldTgt/>
+                  </p:tgtEl>
+                </p:cond>
+              </p:prevCondLst>
+              <p:nextCondLst>
+                <p:cond evt="onNext" delay="0">
+                  <p:tgtEl>
+                    <p:sldTgt/>
+                  </p:tgtEl>
+                </p:cond>
+              </p:nextCondLst>
+            </p:seq>
+          </p:childTnLst>
+        </p:cTn>
+      </p:par>
+    </p:tnLst>
+    <p:bldLst>
+      <p:bldP spid="4" grpId="0" animBg="1"/>
+    </p:bldLst>
+  </p:timing>
 </p:sld>
 </file>
 
@@ -3442,6 +4067,100 @@
           </a:prstGeom>
         </p:spPr>
       </p:pic>
+      <p:sp>
+        <p:nvSpPr>
+          <p:cNvPr id="4" name="Rectangle 3">
+            <a:extLst>
+              <a:ext uri="{FF2B5EF4-FFF2-40B4-BE49-F238E27FC236}">
+                <a16:creationId xmlns:a16="http://schemas.microsoft.com/office/drawing/2014/main" id="{811AA443-2639-7F45-B1D3-292649788F03}"/>
+              </a:ext>
+            </a:extLst>
+          </p:cNvPr>
+          <p:cNvSpPr/>
+          <p:nvPr/>
+        </p:nvSpPr>
+        <p:spPr>
+          <a:xfrm>
+            <a:off x="4388201" y="1511747"/>
+            <a:ext cx="1465797" cy="280293"/>
+          </a:xfrm>
+          <a:prstGeom prst="rect">
+            <a:avLst/>
+          </a:prstGeom>
+          <a:noFill/>
+        </p:spPr>
+        <p:style>
+          <a:lnRef idx="2">
+            <a:schemeClr val="accent1">
+              <a:shade val="50000"/>
+            </a:schemeClr>
+          </a:lnRef>
+          <a:fillRef idx="1">
+            <a:schemeClr val="accent1"/>
+          </a:fillRef>
+          <a:effectRef idx="0">
+            <a:schemeClr val="accent1"/>
+          </a:effectRef>
+          <a:fontRef idx="minor">
+            <a:schemeClr val="lt1"/>
+          </a:fontRef>
+        </p:style>
+        <p:txBody>
+          <a:bodyPr rtlCol="0" anchor="ctr"/>
+          <a:lstStyle/>
+          <a:p>
+            <a:pPr algn="ctr"/>
+            <a:endParaRPr lang="en-US"/>
+          </a:p>
+        </p:txBody>
+      </p:sp>
+      <p:sp>
+        <p:nvSpPr>
+          <p:cNvPr id="5" name="Rectangle 4">
+            <a:extLst>
+              <a:ext uri="{FF2B5EF4-FFF2-40B4-BE49-F238E27FC236}">
+                <a16:creationId xmlns:a16="http://schemas.microsoft.com/office/drawing/2014/main" id="{9C855194-2B5F-4F46-831B-0FBE58F2C38A}"/>
+              </a:ext>
+            </a:extLst>
+          </p:cNvPr>
+          <p:cNvSpPr/>
+          <p:nvPr/>
+        </p:nvSpPr>
+        <p:spPr>
+          <a:xfrm>
+            <a:off x="2913214" y="2743200"/>
+            <a:ext cx="3450826" cy="280293"/>
+          </a:xfrm>
+          <a:prstGeom prst="rect">
+            <a:avLst/>
+          </a:prstGeom>
+          <a:noFill/>
+        </p:spPr>
+        <p:style>
+          <a:lnRef idx="2">
+            <a:schemeClr val="accent1">
+              <a:shade val="50000"/>
+            </a:schemeClr>
+          </a:lnRef>
+          <a:fillRef idx="1">
+            <a:schemeClr val="accent1"/>
+          </a:fillRef>
+          <a:effectRef idx="0">
+            <a:schemeClr val="accent1"/>
+          </a:effectRef>
+          <a:fontRef idx="minor">
+            <a:schemeClr val="lt1"/>
+          </a:fontRef>
+        </p:style>
+        <p:txBody>
+          <a:bodyPr rtlCol="0" anchor="ctr"/>
+          <a:lstStyle/>
+          <a:p>
+            <a:pPr algn="ctr"/>
+            <a:endParaRPr lang="en-US"/>
+          </a:p>
+        </p:txBody>
+      </p:sp>
     </p:spTree>
     <p:extLst>
       <p:ext uri="{BB962C8B-B14F-4D97-AF65-F5344CB8AC3E}">
@@ -3464,6 +4183,130 @@
       </p:transition>
     </mc:Fallback>
   </mc:AlternateContent>
+  <p:timing>
+    <p:tnLst>
+      <p:par>
+        <p:cTn id="1" dur="indefinite" restart="never" nodeType="tmRoot">
+          <p:childTnLst>
+            <p:seq concurrent="1" nextAc="seek">
+              <p:cTn id="2" dur="indefinite" nodeType="mainSeq">
+                <p:childTnLst>
+                  <p:par>
+                    <p:cTn id="3" fill="hold">
+                      <p:stCondLst>
+                        <p:cond delay="indefinite"/>
+                      </p:stCondLst>
+                      <p:childTnLst>
+                        <p:par>
+                          <p:cTn id="4" fill="hold">
+                            <p:stCondLst>
+                              <p:cond delay="0"/>
+                            </p:stCondLst>
+                            <p:childTnLst>
+                              <p:par>
+                                <p:cTn id="5" presetID="1" presetClass="entr" presetSubtype="0" fill="hold" grpId="0" nodeType="clickEffect">
+                                  <p:stCondLst>
+                                    <p:cond delay="0"/>
+                                  </p:stCondLst>
+                                  <p:childTnLst>
+                                    <p:set>
+                                      <p:cBhvr>
+                                        <p:cTn id="6" dur="1" fill="hold">
+                                          <p:stCondLst>
+                                            <p:cond delay="0"/>
+                                          </p:stCondLst>
+                                        </p:cTn>
+                                        <p:tgtEl>
+                                          <p:spTgt spid="4"/>
+                                        </p:tgtEl>
+                                        <p:attrNameLst>
+                                          <p:attrName>style.visibility</p:attrName>
+                                        </p:attrNameLst>
+                                      </p:cBhvr>
+                                      <p:to>
+                                        <p:strVal val="visible"/>
+                                      </p:to>
+                                    </p:set>
+                                  </p:childTnLst>
+                                </p:cTn>
+                              </p:par>
+                            </p:childTnLst>
+                          </p:cTn>
+                        </p:par>
+                      </p:childTnLst>
+                    </p:cTn>
+                  </p:par>
+                  <p:par>
+                    <p:cTn id="7" fill="hold">
+                      <p:stCondLst>
+                        <p:cond delay="indefinite"/>
+                      </p:stCondLst>
+                      <p:childTnLst>
+                        <p:par>
+                          <p:cTn id="8" fill="hold">
+                            <p:stCondLst>
+                              <p:cond delay="0"/>
+                            </p:stCondLst>
+                            <p:childTnLst>
+                              <p:par>
+                                <p:cTn id="9" presetID="1" presetClass="entr" presetSubtype="0" fill="hold" grpId="0" nodeType="clickEffect">
+                                  <p:stCondLst>
+                                    <p:cond delay="0"/>
+                                  </p:stCondLst>
+                                  <p:childTnLst>
+                                    <p:set>
+                                      <p:cBhvr>
+                                        <p:cTn id="10" dur="1" fill="hold">
+                                          <p:stCondLst>
+                                            <p:cond delay="0"/>
+                                          </p:stCondLst>
+                                        </p:cTn>
+                                        <p:tgtEl>
+                                          <p:spTgt spid="5"/>
+                                        </p:tgtEl>
+                                        <p:attrNameLst>
+                                          <p:attrName>style.visibility</p:attrName>
+                                        </p:attrNameLst>
+                                      </p:cBhvr>
+                                      <p:to>
+                                        <p:strVal val="visible"/>
+                                      </p:to>
+                                    </p:set>
+                                  </p:childTnLst>
+                                </p:cTn>
+                              </p:par>
+                            </p:childTnLst>
+                          </p:cTn>
+                        </p:par>
+                      </p:childTnLst>
+                    </p:cTn>
+                  </p:par>
+                </p:childTnLst>
+              </p:cTn>
+              <p:prevCondLst>
+                <p:cond evt="onPrev" delay="0">
+                  <p:tgtEl>
+                    <p:sldTgt/>
+                  </p:tgtEl>
+                </p:cond>
+              </p:prevCondLst>
+              <p:nextCondLst>
+                <p:cond evt="onNext" delay="0">
+                  <p:tgtEl>
+                    <p:sldTgt/>
+                  </p:tgtEl>
+                </p:cond>
+              </p:nextCondLst>
+            </p:seq>
+          </p:childTnLst>
+        </p:cTn>
+      </p:par>
+    </p:tnLst>
+    <p:bldLst>
+      <p:bldP spid="4" grpId="0" animBg="1"/>
+      <p:bldP spid="5" grpId="0" animBg="1"/>
+    </p:bldLst>
+  </p:timing>
 </p:sld>
 </file>
 
@@ -3634,6 +4477,53 @@
           </a:prstGeom>
         </p:spPr>
       </p:pic>
+      <p:sp>
+        <p:nvSpPr>
+          <p:cNvPr id="10" name="Rectangle 9">
+            <a:extLst>
+              <a:ext uri="{FF2B5EF4-FFF2-40B4-BE49-F238E27FC236}">
+                <a16:creationId xmlns:a16="http://schemas.microsoft.com/office/drawing/2014/main" id="{BB63DD06-F444-714A-90D0-52295F4AA61B}"/>
+              </a:ext>
+            </a:extLst>
+          </p:cNvPr>
+          <p:cNvSpPr/>
+          <p:nvPr/>
+        </p:nvSpPr>
+        <p:spPr>
+          <a:xfrm>
+            <a:off x="4595" y="2291457"/>
+            <a:ext cx="1865560" cy="943405"/>
+          </a:xfrm>
+          <a:prstGeom prst="rect">
+            <a:avLst/>
+          </a:prstGeom>
+          <a:noFill/>
+        </p:spPr>
+        <p:style>
+          <a:lnRef idx="2">
+            <a:schemeClr val="accent1">
+              <a:shade val="50000"/>
+            </a:schemeClr>
+          </a:lnRef>
+          <a:fillRef idx="1">
+            <a:schemeClr val="accent1"/>
+          </a:fillRef>
+          <a:effectRef idx="0">
+            <a:schemeClr val="accent1"/>
+          </a:effectRef>
+          <a:fontRef idx="minor">
+            <a:schemeClr val="lt1"/>
+          </a:fontRef>
+        </p:style>
+        <p:txBody>
+          <a:bodyPr rtlCol="0" anchor="ctr"/>
+          <a:lstStyle/>
+          <a:p>
+            <a:pPr algn="ctr"/>
+            <a:endParaRPr lang="en-US"/>
+          </a:p>
+        </p:txBody>
+      </p:sp>
     </p:spTree>
     <p:extLst>
       <p:ext uri="{BB962C8B-B14F-4D97-AF65-F5344CB8AC3E}">
@@ -3932,6 +4822,51 @@
                       </p:childTnLst>
                     </p:cTn>
                   </p:par>
+                  <p:par>
+                    <p:cTn id="28" fill="hold">
+                      <p:stCondLst>
+                        <p:cond delay="indefinite"/>
+                      </p:stCondLst>
+                      <p:childTnLst>
+                        <p:par>
+                          <p:cTn id="29" fill="hold">
+                            <p:stCondLst>
+                              <p:cond delay="0"/>
+                            </p:stCondLst>
+                            <p:childTnLst>
+                              <p:par>
+                                <p:cTn id="30" presetID="1" presetClass="entr" presetSubtype="0" fill="hold" grpId="0" nodeType="clickEffect">
+                                  <p:stCondLst>
+                                    <p:cond delay="0"/>
+                                  </p:stCondLst>
+                                  <p:childTnLst>
+                                    <p:set>
+                                      <p:cBhvr>
+                                        <p:cTn id="31" dur="1" fill="hold">
+                                          <p:stCondLst>
+                                            <p:cond delay="0"/>
+                                          </p:stCondLst>
+                                        </p:cTn>
+                                        <p:tgtEl>
+                                          <p:spTgt spid="10"/>
+                                        </p:tgtEl>
+                                        <p:attrNameLst>
+                                          <p:attrName>style.visibility</p:attrName>
+                                        </p:attrNameLst>
+                                      </p:cBhvr>
+                                      <p:to>
+                                        <p:strVal val="visible"/>
+                                      </p:to>
+                                    </p:set>
+                                  </p:childTnLst>
+                                </p:cTn>
+                              </p:par>
+                            </p:childTnLst>
+                          </p:cTn>
+                        </p:par>
+                      </p:childTnLst>
+                    </p:cTn>
+                  </p:par>
                 </p:childTnLst>
               </p:cTn>
               <p:prevCondLst>
@@ -3953,6 +4888,9 @@
         </p:cTn>
       </p:par>
     </p:tnLst>
+    <p:bldLst>
+      <p:bldP spid="10" grpId="0" animBg="1"/>
+    </p:bldLst>
   </p:timing>
 </p:sld>
 </file>
@@ -4004,6 +4942,53 @@
           </a:prstGeom>
         </p:spPr>
       </p:pic>
+      <p:sp>
+        <p:nvSpPr>
+          <p:cNvPr id="3" name="Rectangle 2">
+            <a:extLst>
+              <a:ext uri="{FF2B5EF4-FFF2-40B4-BE49-F238E27FC236}">
+                <a16:creationId xmlns:a16="http://schemas.microsoft.com/office/drawing/2014/main" id="{046EA451-493C-AB42-B5DF-A4CB71C59009}"/>
+              </a:ext>
+            </a:extLst>
+          </p:cNvPr>
+          <p:cNvSpPr/>
+          <p:nvPr/>
+        </p:nvSpPr>
+        <p:spPr>
+          <a:xfrm>
+            <a:off x="1047654" y="758172"/>
+            <a:ext cx="1134959" cy="151634"/>
+          </a:xfrm>
+          <a:prstGeom prst="rect">
+            <a:avLst/>
+          </a:prstGeom>
+          <a:noFill/>
+        </p:spPr>
+        <p:style>
+          <a:lnRef idx="2">
+            <a:schemeClr val="accent1">
+              <a:shade val="50000"/>
+            </a:schemeClr>
+          </a:lnRef>
+          <a:fillRef idx="1">
+            <a:schemeClr val="accent1"/>
+          </a:fillRef>
+          <a:effectRef idx="0">
+            <a:schemeClr val="accent1"/>
+          </a:effectRef>
+          <a:fontRef idx="minor">
+            <a:schemeClr val="lt1"/>
+          </a:fontRef>
+        </p:style>
+        <p:txBody>
+          <a:bodyPr rtlCol="0" anchor="ctr"/>
+          <a:lstStyle/>
+          <a:p>
+            <a:pPr algn="ctr"/>
+            <a:endParaRPr lang="en-US"/>
+          </a:p>
+        </p:txBody>
+      </p:sp>
     </p:spTree>
     <p:extLst>
       <p:ext uri="{BB962C8B-B14F-4D97-AF65-F5344CB8AC3E}">
@@ -4026,6 +5011,84 @@
       </p:transition>
     </mc:Fallback>
   </mc:AlternateContent>
+  <p:timing>
+    <p:tnLst>
+      <p:par>
+        <p:cTn id="1" dur="indefinite" restart="never" nodeType="tmRoot">
+          <p:childTnLst>
+            <p:seq concurrent="1" nextAc="seek">
+              <p:cTn id="2" dur="indefinite" nodeType="mainSeq">
+                <p:childTnLst>
+                  <p:par>
+                    <p:cTn id="3" fill="hold">
+                      <p:stCondLst>
+                        <p:cond delay="indefinite"/>
+                      </p:stCondLst>
+                      <p:childTnLst>
+                        <p:par>
+                          <p:cTn id="4" fill="hold">
+                            <p:stCondLst>
+                              <p:cond delay="0"/>
+                            </p:stCondLst>
+                            <p:childTnLst>
+                              <p:par>
+                                <p:cTn id="5" presetID="1" presetClass="entr" presetSubtype="0" fill="hold" grpId="0" nodeType="clickEffect">
+                                  <p:stCondLst>
+                                    <p:cond delay="0"/>
+                                  </p:stCondLst>
+                                  <p:childTnLst>
+                                    <p:set>
+                                      <p:cBhvr>
+                                        <p:cTn id="6" dur="1" fill="hold">
+                                          <p:stCondLst>
+                                            <p:cond delay="0"/>
+                                          </p:stCondLst>
+                                        </p:cTn>
+                                        <p:tgtEl>
+                                          <p:spTgt spid="3"/>
+                                        </p:tgtEl>
+                                        <p:attrNameLst>
+                                          <p:attrName>style.visibility</p:attrName>
+                                        </p:attrNameLst>
+                                      </p:cBhvr>
+                                      <p:to>
+                                        <p:strVal val="visible"/>
+                                      </p:to>
+                                    </p:set>
+                                  </p:childTnLst>
+                                </p:cTn>
+                              </p:par>
+                            </p:childTnLst>
+                          </p:cTn>
+                        </p:par>
+                      </p:childTnLst>
+                    </p:cTn>
+                  </p:par>
+                </p:childTnLst>
+              </p:cTn>
+              <p:prevCondLst>
+                <p:cond evt="onPrev" delay="0">
+                  <p:tgtEl>
+                    <p:sldTgt/>
+                  </p:tgtEl>
+                </p:cond>
+              </p:prevCondLst>
+              <p:nextCondLst>
+                <p:cond evt="onNext" delay="0">
+                  <p:tgtEl>
+                    <p:sldTgt/>
+                  </p:tgtEl>
+                </p:cond>
+              </p:nextCondLst>
+            </p:seq>
+          </p:childTnLst>
+        </p:cTn>
+      </p:par>
+    </p:tnLst>
+    <p:bldLst>
+      <p:bldP spid="3" grpId="0" animBg="1"/>
+    </p:bldLst>
+  </p:timing>
 </p:sld>
 </file>
 
@@ -4076,6 +5139,53 @@
           </a:prstGeom>
         </p:spPr>
       </p:pic>
+      <p:sp>
+        <p:nvSpPr>
+          <p:cNvPr id="3" name="Rectangle 2">
+            <a:extLst>
+              <a:ext uri="{FF2B5EF4-FFF2-40B4-BE49-F238E27FC236}">
+                <a16:creationId xmlns:a16="http://schemas.microsoft.com/office/drawing/2014/main" id="{2E81BEEE-88C4-7B49-B30E-96ED8EAD02F9}"/>
+              </a:ext>
+            </a:extLst>
+          </p:cNvPr>
+          <p:cNvSpPr/>
+          <p:nvPr/>
+        </p:nvSpPr>
+        <p:spPr>
+          <a:xfrm>
+            <a:off x="1948269" y="1474987"/>
+            <a:ext cx="1612837" cy="280293"/>
+          </a:xfrm>
+          <a:prstGeom prst="rect">
+            <a:avLst/>
+          </a:prstGeom>
+          <a:noFill/>
+        </p:spPr>
+        <p:style>
+          <a:lnRef idx="2">
+            <a:schemeClr val="accent1">
+              <a:shade val="50000"/>
+            </a:schemeClr>
+          </a:lnRef>
+          <a:fillRef idx="1">
+            <a:schemeClr val="accent1"/>
+          </a:fillRef>
+          <a:effectRef idx="0">
+            <a:schemeClr val="accent1"/>
+          </a:effectRef>
+          <a:fontRef idx="minor">
+            <a:schemeClr val="lt1"/>
+          </a:fontRef>
+        </p:style>
+        <p:txBody>
+          <a:bodyPr rtlCol="0" anchor="ctr"/>
+          <a:lstStyle/>
+          <a:p>
+            <a:pPr algn="ctr"/>
+            <a:endParaRPr lang="en-US"/>
+          </a:p>
+        </p:txBody>
+      </p:sp>
     </p:spTree>
     <p:extLst>
       <p:ext uri="{BB962C8B-B14F-4D97-AF65-F5344CB8AC3E}">
@@ -4098,6 +5208,84 @@
       </p:transition>
     </mc:Fallback>
   </mc:AlternateContent>
+  <p:timing>
+    <p:tnLst>
+      <p:par>
+        <p:cTn id="1" dur="indefinite" restart="never" nodeType="tmRoot">
+          <p:childTnLst>
+            <p:seq concurrent="1" nextAc="seek">
+              <p:cTn id="2" dur="indefinite" nodeType="mainSeq">
+                <p:childTnLst>
+                  <p:par>
+                    <p:cTn id="3" fill="hold">
+                      <p:stCondLst>
+                        <p:cond delay="indefinite"/>
+                      </p:stCondLst>
+                      <p:childTnLst>
+                        <p:par>
+                          <p:cTn id="4" fill="hold">
+                            <p:stCondLst>
+                              <p:cond delay="0"/>
+                            </p:stCondLst>
+                            <p:childTnLst>
+                              <p:par>
+                                <p:cTn id="5" presetID="1" presetClass="entr" presetSubtype="0" fill="hold" grpId="0" nodeType="clickEffect">
+                                  <p:stCondLst>
+                                    <p:cond delay="0"/>
+                                  </p:stCondLst>
+                                  <p:childTnLst>
+                                    <p:set>
+                                      <p:cBhvr>
+                                        <p:cTn id="6" dur="1" fill="hold">
+                                          <p:stCondLst>
+                                            <p:cond delay="0"/>
+                                          </p:stCondLst>
+                                        </p:cTn>
+                                        <p:tgtEl>
+                                          <p:spTgt spid="3"/>
+                                        </p:tgtEl>
+                                        <p:attrNameLst>
+                                          <p:attrName>style.visibility</p:attrName>
+                                        </p:attrNameLst>
+                                      </p:cBhvr>
+                                      <p:to>
+                                        <p:strVal val="visible"/>
+                                      </p:to>
+                                    </p:set>
+                                  </p:childTnLst>
+                                </p:cTn>
+                              </p:par>
+                            </p:childTnLst>
+                          </p:cTn>
+                        </p:par>
+                      </p:childTnLst>
+                    </p:cTn>
+                  </p:par>
+                </p:childTnLst>
+              </p:cTn>
+              <p:prevCondLst>
+                <p:cond evt="onPrev" delay="0">
+                  <p:tgtEl>
+                    <p:sldTgt/>
+                  </p:tgtEl>
+                </p:cond>
+              </p:prevCondLst>
+              <p:nextCondLst>
+                <p:cond evt="onNext" delay="0">
+                  <p:tgtEl>
+                    <p:sldTgt/>
+                  </p:tgtEl>
+                </p:cond>
+              </p:nextCondLst>
+            </p:seq>
+          </p:childTnLst>
+        </p:cTn>
+      </p:par>
+    </p:tnLst>
+    <p:bldLst>
+      <p:bldP spid="3" grpId="0" animBg="1"/>
+    </p:bldLst>
+  </p:timing>
 </p:sld>
 </file>
 
@@ -4148,6 +5336,53 @@
           </a:prstGeom>
         </p:spPr>
       </p:pic>
+      <p:sp>
+        <p:nvSpPr>
+          <p:cNvPr id="4" name="Rectangle 3">
+            <a:extLst>
+              <a:ext uri="{FF2B5EF4-FFF2-40B4-BE49-F238E27FC236}">
+                <a16:creationId xmlns:a16="http://schemas.microsoft.com/office/drawing/2014/main" id="{1D45425F-825B-3442-B9F7-81DEFF8A8EF3}"/>
+              </a:ext>
+            </a:extLst>
+          </p:cNvPr>
+          <p:cNvSpPr/>
+          <p:nvPr/>
+        </p:nvSpPr>
+        <p:spPr>
+          <a:xfrm>
+            <a:off x="4526051" y="2949974"/>
+            <a:ext cx="914400" cy="321648"/>
+          </a:xfrm>
+          <a:prstGeom prst="rect">
+            <a:avLst/>
+          </a:prstGeom>
+          <a:noFill/>
+        </p:spPr>
+        <p:style>
+          <a:lnRef idx="2">
+            <a:schemeClr val="accent1">
+              <a:shade val="50000"/>
+            </a:schemeClr>
+          </a:lnRef>
+          <a:fillRef idx="1">
+            <a:schemeClr val="accent1"/>
+          </a:fillRef>
+          <a:effectRef idx="0">
+            <a:schemeClr val="accent1"/>
+          </a:effectRef>
+          <a:fontRef idx="minor">
+            <a:schemeClr val="lt1"/>
+          </a:fontRef>
+        </p:style>
+        <p:txBody>
+          <a:bodyPr rtlCol="0" anchor="ctr"/>
+          <a:lstStyle/>
+          <a:p>
+            <a:pPr algn="ctr"/>
+            <a:endParaRPr lang="en-US"/>
+          </a:p>
+        </p:txBody>
+      </p:sp>
     </p:spTree>
     <p:extLst>
       <p:ext uri="{BB962C8B-B14F-4D97-AF65-F5344CB8AC3E}">
@@ -4170,6 +5405,84 @@
       </p:transition>
     </mc:Fallback>
   </mc:AlternateContent>
+  <p:timing>
+    <p:tnLst>
+      <p:par>
+        <p:cTn id="1" dur="indefinite" restart="never" nodeType="tmRoot">
+          <p:childTnLst>
+            <p:seq concurrent="1" nextAc="seek">
+              <p:cTn id="2" dur="indefinite" nodeType="mainSeq">
+                <p:childTnLst>
+                  <p:par>
+                    <p:cTn id="3" fill="hold">
+                      <p:stCondLst>
+                        <p:cond delay="indefinite"/>
+                      </p:stCondLst>
+                      <p:childTnLst>
+                        <p:par>
+                          <p:cTn id="4" fill="hold">
+                            <p:stCondLst>
+                              <p:cond delay="0"/>
+                            </p:stCondLst>
+                            <p:childTnLst>
+                              <p:par>
+                                <p:cTn id="5" presetID="1" presetClass="entr" presetSubtype="0" fill="hold" grpId="0" nodeType="clickEffect">
+                                  <p:stCondLst>
+                                    <p:cond delay="0"/>
+                                  </p:stCondLst>
+                                  <p:childTnLst>
+                                    <p:set>
+                                      <p:cBhvr>
+                                        <p:cTn id="6" dur="1" fill="hold">
+                                          <p:stCondLst>
+                                            <p:cond delay="0"/>
+                                          </p:stCondLst>
+                                        </p:cTn>
+                                        <p:tgtEl>
+                                          <p:spTgt spid="4"/>
+                                        </p:tgtEl>
+                                        <p:attrNameLst>
+                                          <p:attrName>style.visibility</p:attrName>
+                                        </p:attrNameLst>
+                                      </p:cBhvr>
+                                      <p:to>
+                                        <p:strVal val="visible"/>
+                                      </p:to>
+                                    </p:set>
+                                  </p:childTnLst>
+                                </p:cTn>
+                              </p:par>
+                            </p:childTnLst>
+                          </p:cTn>
+                        </p:par>
+                      </p:childTnLst>
+                    </p:cTn>
+                  </p:par>
+                </p:childTnLst>
+              </p:cTn>
+              <p:prevCondLst>
+                <p:cond evt="onPrev" delay="0">
+                  <p:tgtEl>
+                    <p:sldTgt/>
+                  </p:tgtEl>
+                </p:cond>
+              </p:prevCondLst>
+              <p:nextCondLst>
+                <p:cond evt="onNext" delay="0">
+                  <p:tgtEl>
+                    <p:sldTgt/>
+                  </p:tgtEl>
+                </p:cond>
+              </p:nextCondLst>
+            </p:seq>
+          </p:childTnLst>
+        </p:cTn>
+      </p:par>
+    </p:tnLst>
+    <p:bldLst>
+      <p:bldP spid="4" grpId="0" animBg="1"/>
+    </p:bldLst>
+  </p:timing>
 </p:sld>
 </file>
 
@@ -4220,6 +5533,53 @@
           </a:prstGeom>
         </p:spPr>
       </p:pic>
+      <p:sp>
+        <p:nvSpPr>
+          <p:cNvPr id="4" name="Rectangle 3">
+            <a:extLst>
+              <a:ext uri="{FF2B5EF4-FFF2-40B4-BE49-F238E27FC236}">
+                <a16:creationId xmlns:a16="http://schemas.microsoft.com/office/drawing/2014/main" id="{A700D70A-899C-A845-A536-182303E69633}"/>
+              </a:ext>
+            </a:extLst>
+          </p:cNvPr>
+          <p:cNvSpPr/>
+          <p:nvPr/>
+        </p:nvSpPr>
+        <p:spPr>
+          <a:xfrm>
+            <a:off x="5412881" y="3607055"/>
+            <a:ext cx="1231453" cy="353813"/>
+          </a:xfrm>
+          <a:prstGeom prst="rect">
+            <a:avLst/>
+          </a:prstGeom>
+          <a:noFill/>
+        </p:spPr>
+        <p:style>
+          <a:lnRef idx="2">
+            <a:schemeClr val="accent1">
+              <a:shade val="50000"/>
+            </a:schemeClr>
+          </a:lnRef>
+          <a:fillRef idx="1">
+            <a:schemeClr val="accent1"/>
+          </a:fillRef>
+          <a:effectRef idx="0">
+            <a:schemeClr val="accent1"/>
+          </a:effectRef>
+          <a:fontRef idx="minor">
+            <a:schemeClr val="lt1"/>
+          </a:fontRef>
+        </p:style>
+        <p:txBody>
+          <a:bodyPr rtlCol="0" anchor="ctr"/>
+          <a:lstStyle/>
+          <a:p>
+            <a:pPr algn="ctr"/>
+            <a:endParaRPr lang="en-US"/>
+          </a:p>
+        </p:txBody>
+      </p:sp>
     </p:spTree>
     <p:extLst>
       <p:ext uri="{BB962C8B-B14F-4D97-AF65-F5344CB8AC3E}">
@@ -4242,6 +5602,84 @@
       </p:transition>
     </mc:Fallback>
   </mc:AlternateContent>
+  <p:timing>
+    <p:tnLst>
+      <p:par>
+        <p:cTn id="1" dur="indefinite" restart="never" nodeType="tmRoot">
+          <p:childTnLst>
+            <p:seq concurrent="1" nextAc="seek">
+              <p:cTn id="2" dur="indefinite" nodeType="mainSeq">
+                <p:childTnLst>
+                  <p:par>
+                    <p:cTn id="3" fill="hold">
+                      <p:stCondLst>
+                        <p:cond delay="indefinite"/>
+                      </p:stCondLst>
+                      <p:childTnLst>
+                        <p:par>
+                          <p:cTn id="4" fill="hold">
+                            <p:stCondLst>
+                              <p:cond delay="0"/>
+                            </p:stCondLst>
+                            <p:childTnLst>
+                              <p:par>
+                                <p:cTn id="5" presetID="1" presetClass="entr" presetSubtype="0" fill="hold" grpId="0" nodeType="clickEffect">
+                                  <p:stCondLst>
+                                    <p:cond delay="0"/>
+                                  </p:stCondLst>
+                                  <p:childTnLst>
+                                    <p:set>
+                                      <p:cBhvr>
+                                        <p:cTn id="6" dur="1" fill="hold">
+                                          <p:stCondLst>
+                                            <p:cond delay="0"/>
+                                          </p:stCondLst>
+                                        </p:cTn>
+                                        <p:tgtEl>
+                                          <p:spTgt spid="4"/>
+                                        </p:tgtEl>
+                                        <p:attrNameLst>
+                                          <p:attrName>style.visibility</p:attrName>
+                                        </p:attrNameLst>
+                                      </p:cBhvr>
+                                      <p:to>
+                                        <p:strVal val="visible"/>
+                                      </p:to>
+                                    </p:set>
+                                  </p:childTnLst>
+                                </p:cTn>
+                              </p:par>
+                            </p:childTnLst>
+                          </p:cTn>
+                        </p:par>
+                      </p:childTnLst>
+                    </p:cTn>
+                  </p:par>
+                </p:childTnLst>
+              </p:cTn>
+              <p:prevCondLst>
+                <p:cond evt="onPrev" delay="0">
+                  <p:tgtEl>
+                    <p:sldTgt/>
+                  </p:tgtEl>
+                </p:cond>
+              </p:prevCondLst>
+              <p:nextCondLst>
+                <p:cond evt="onNext" delay="0">
+                  <p:tgtEl>
+                    <p:sldTgt/>
+                  </p:tgtEl>
+                </p:cond>
+              </p:nextCondLst>
+            </p:seq>
+          </p:childTnLst>
+        </p:cTn>
+      </p:par>
+    </p:tnLst>
+    <p:bldLst>
+      <p:bldP spid="4" grpId="0" animBg="1"/>
+    </p:bldLst>
+  </p:timing>
 </p:sld>
 </file>
 
@@ -4292,6 +5730,53 @@
           </a:prstGeom>
         </p:spPr>
       </p:pic>
+      <p:sp>
+        <p:nvSpPr>
+          <p:cNvPr id="4" name="Rectangle 3">
+            <a:extLst>
+              <a:ext uri="{FF2B5EF4-FFF2-40B4-BE49-F238E27FC236}">
+                <a16:creationId xmlns:a16="http://schemas.microsoft.com/office/drawing/2014/main" id="{0F7E6E61-C75A-2D43-8B6D-C29E7BFAF945}"/>
+              </a:ext>
+            </a:extLst>
+          </p:cNvPr>
+          <p:cNvSpPr/>
+          <p:nvPr/>
+        </p:nvSpPr>
+        <p:spPr>
+          <a:xfrm>
+            <a:off x="5711555" y="4521455"/>
+            <a:ext cx="868450" cy="298674"/>
+          </a:xfrm>
+          <a:prstGeom prst="rect">
+            <a:avLst/>
+          </a:prstGeom>
+          <a:noFill/>
+        </p:spPr>
+        <p:style>
+          <a:lnRef idx="2">
+            <a:schemeClr val="accent1">
+              <a:shade val="50000"/>
+            </a:schemeClr>
+          </a:lnRef>
+          <a:fillRef idx="1">
+            <a:schemeClr val="accent1"/>
+          </a:fillRef>
+          <a:effectRef idx="0">
+            <a:schemeClr val="accent1"/>
+          </a:effectRef>
+          <a:fontRef idx="minor">
+            <a:schemeClr val="lt1"/>
+          </a:fontRef>
+        </p:style>
+        <p:txBody>
+          <a:bodyPr rtlCol="0" anchor="ctr"/>
+          <a:lstStyle/>
+          <a:p>
+            <a:pPr algn="ctr"/>
+            <a:endParaRPr lang="en-US"/>
+          </a:p>
+        </p:txBody>
+      </p:sp>
     </p:spTree>
     <p:extLst>
       <p:ext uri="{BB962C8B-B14F-4D97-AF65-F5344CB8AC3E}">
@@ -4314,6 +5799,84 @@
       </p:transition>
     </mc:Fallback>
   </mc:AlternateContent>
+  <p:timing>
+    <p:tnLst>
+      <p:par>
+        <p:cTn id="1" dur="indefinite" restart="never" nodeType="tmRoot">
+          <p:childTnLst>
+            <p:seq concurrent="1" nextAc="seek">
+              <p:cTn id="2" dur="indefinite" nodeType="mainSeq">
+                <p:childTnLst>
+                  <p:par>
+                    <p:cTn id="3" fill="hold">
+                      <p:stCondLst>
+                        <p:cond delay="indefinite"/>
+                      </p:stCondLst>
+                      <p:childTnLst>
+                        <p:par>
+                          <p:cTn id="4" fill="hold">
+                            <p:stCondLst>
+                              <p:cond delay="0"/>
+                            </p:stCondLst>
+                            <p:childTnLst>
+                              <p:par>
+                                <p:cTn id="5" presetID="1" presetClass="entr" presetSubtype="0" fill="hold" grpId="0" nodeType="clickEffect">
+                                  <p:stCondLst>
+                                    <p:cond delay="0"/>
+                                  </p:stCondLst>
+                                  <p:childTnLst>
+                                    <p:set>
+                                      <p:cBhvr>
+                                        <p:cTn id="6" dur="1" fill="hold">
+                                          <p:stCondLst>
+                                            <p:cond delay="0"/>
+                                          </p:stCondLst>
+                                        </p:cTn>
+                                        <p:tgtEl>
+                                          <p:spTgt spid="4"/>
+                                        </p:tgtEl>
+                                        <p:attrNameLst>
+                                          <p:attrName>style.visibility</p:attrName>
+                                        </p:attrNameLst>
+                                      </p:cBhvr>
+                                      <p:to>
+                                        <p:strVal val="visible"/>
+                                      </p:to>
+                                    </p:set>
+                                  </p:childTnLst>
+                                </p:cTn>
+                              </p:par>
+                            </p:childTnLst>
+                          </p:cTn>
+                        </p:par>
+                      </p:childTnLst>
+                    </p:cTn>
+                  </p:par>
+                </p:childTnLst>
+              </p:cTn>
+              <p:prevCondLst>
+                <p:cond evt="onPrev" delay="0">
+                  <p:tgtEl>
+                    <p:sldTgt/>
+                  </p:tgtEl>
+                </p:cond>
+              </p:prevCondLst>
+              <p:nextCondLst>
+                <p:cond evt="onNext" delay="0">
+                  <p:tgtEl>
+                    <p:sldTgt/>
+                  </p:tgtEl>
+                </p:cond>
+              </p:nextCondLst>
+            </p:seq>
+          </p:childTnLst>
+        </p:cTn>
+      </p:par>
+    </p:tnLst>
+    <p:bldLst>
+      <p:bldP spid="4" grpId="0" animBg="1"/>
+    </p:bldLst>
+  </p:timing>
 </p:sld>
 </file>
 
@@ -4364,6 +5927,53 @@
           </a:prstGeom>
         </p:spPr>
       </p:pic>
+      <p:sp>
+        <p:nvSpPr>
+          <p:cNvPr id="4" name="Rectangle 3">
+            <a:extLst>
+              <a:ext uri="{FF2B5EF4-FFF2-40B4-BE49-F238E27FC236}">
+                <a16:creationId xmlns:a16="http://schemas.microsoft.com/office/drawing/2014/main" id="{D3A6EDE8-A6FF-924E-A9F3-C6F9D02F4AF2}"/>
+              </a:ext>
+            </a:extLst>
+          </p:cNvPr>
+          <p:cNvSpPr/>
+          <p:nvPr/>
+        </p:nvSpPr>
+        <p:spPr>
+          <a:xfrm>
+            <a:off x="1125769" y="4011413"/>
+            <a:ext cx="1557696" cy="183799"/>
+          </a:xfrm>
+          <a:prstGeom prst="rect">
+            <a:avLst/>
+          </a:prstGeom>
+          <a:noFill/>
+        </p:spPr>
+        <p:style>
+          <a:lnRef idx="2">
+            <a:schemeClr val="accent1">
+              <a:shade val="50000"/>
+            </a:schemeClr>
+          </a:lnRef>
+          <a:fillRef idx="1">
+            <a:schemeClr val="accent1"/>
+          </a:fillRef>
+          <a:effectRef idx="0">
+            <a:schemeClr val="accent1"/>
+          </a:effectRef>
+          <a:fontRef idx="minor">
+            <a:schemeClr val="lt1"/>
+          </a:fontRef>
+        </p:style>
+        <p:txBody>
+          <a:bodyPr rtlCol="0" anchor="ctr"/>
+          <a:lstStyle/>
+          <a:p>
+            <a:pPr algn="ctr"/>
+            <a:endParaRPr lang="en-US"/>
+          </a:p>
+        </p:txBody>
+      </p:sp>
     </p:spTree>
     <p:extLst>
       <p:ext uri="{BB962C8B-B14F-4D97-AF65-F5344CB8AC3E}">
@@ -4386,6 +5996,84 @@
       </p:transition>
     </mc:Fallback>
   </mc:AlternateContent>
+  <p:timing>
+    <p:tnLst>
+      <p:par>
+        <p:cTn id="1" dur="indefinite" restart="never" nodeType="tmRoot">
+          <p:childTnLst>
+            <p:seq concurrent="1" nextAc="seek">
+              <p:cTn id="2" dur="indefinite" nodeType="mainSeq">
+                <p:childTnLst>
+                  <p:par>
+                    <p:cTn id="3" fill="hold">
+                      <p:stCondLst>
+                        <p:cond delay="indefinite"/>
+                      </p:stCondLst>
+                      <p:childTnLst>
+                        <p:par>
+                          <p:cTn id="4" fill="hold">
+                            <p:stCondLst>
+                              <p:cond delay="0"/>
+                            </p:stCondLst>
+                            <p:childTnLst>
+                              <p:par>
+                                <p:cTn id="5" presetID="1" presetClass="entr" presetSubtype="0" fill="hold" grpId="0" nodeType="clickEffect">
+                                  <p:stCondLst>
+                                    <p:cond delay="0"/>
+                                  </p:stCondLst>
+                                  <p:childTnLst>
+                                    <p:set>
+                                      <p:cBhvr>
+                                        <p:cTn id="6" dur="1" fill="hold">
+                                          <p:stCondLst>
+                                            <p:cond delay="0"/>
+                                          </p:stCondLst>
+                                        </p:cTn>
+                                        <p:tgtEl>
+                                          <p:spTgt spid="4"/>
+                                        </p:tgtEl>
+                                        <p:attrNameLst>
+                                          <p:attrName>style.visibility</p:attrName>
+                                        </p:attrNameLst>
+                                      </p:cBhvr>
+                                      <p:to>
+                                        <p:strVal val="visible"/>
+                                      </p:to>
+                                    </p:set>
+                                  </p:childTnLst>
+                                </p:cTn>
+                              </p:par>
+                            </p:childTnLst>
+                          </p:cTn>
+                        </p:par>
+                      </p:childTnLst>
+                    </p:cTn>
+                  </p:par>
+                </p:childTnLst>
+              </p:cTn>
+              <p:prevCondLst>
+                <p:cond evt="onPrev" delay="0">
+                  <p:tgtEl>
+                    <p:sldTgt/>
+                  </p:tgtEl>
+                </p:cond>
+              </p:prevCondLst>
+              <p:nextCondLst>
+                <p:cond evt="onNext" delay="0">
+                  <p:tgtEl>
+                    <p:sldTgt/>
+                  </p:tgtEl>
+                </p:cond>
+              </p:nextCondLst>
+            </p:seq>
+          </p:childTnLst>
+        </p:cTn>
+      </p:par>
+    </p:tnLst>
+    <p:bldLst>
+      <p:bldP spid="4" grpId="0" animBg="1"/>
+    </p:bldLst>
+  </p:timing>
 </p:sld>
 </file>
 
@@ -4436,6 +6124,53 @@
           </a:prstGeom>
         </p:spPr>
       </p:pic>
+      <p:sp>
+        <p:nvSpPr>
+          <p:cNvPr id="2" name="Rectangle 1">
+            <a:extLst>
+              <a:ext uri="{FF2B5EF4-FFF2-40B4-BE49-F238E27FC236}">
+                <a16:creationId xmlns:a16="http://schemas.microsoft.com/office/drawing/2014/main" id="{1707FEA6-3822-E64F-919C-1D8D750C5ED6}"/>
+              </a:ext>
+            </a:extLst>
+          </p:cNvPr>
+          <p:cNvSpPr/>
+          <p:nvPr/>
+        </p:nvSpPr>
+        <p:spPr>
+          <a:xfrm>
+            <a:off x="3492181" y="3345142"/>
+            <a:ext cx="1015489" cy="280293"/>
+          </a:xfrm>
+          <a:prstGeom prst="rect">
+            <a:avLst/>
+          </a:prstGeom>
+          <a:noFill/>
+        </p:spPr>
+        <p:style>
+          <a:lnRef idx="2">
+            <a:schemeClr val="accent1">
+              <a:shade val="50000"/>
+            </a:schemeClr>
+          </a:lnRef>
+          <a:fillRef idx="1">
+            <a:schemeClr val="accent1"/>
+          </a:fillRef>
+          <a:effectRef idx="0">
+            <a:schemeClr val="accent1"/>
+          </a:effectRef>
+          <a:fontRef idx="minor">
+            <a:schemeClr val="lt1"/>
+          </a:fontRef>
+        </p:style>
+        <p:txBody>
+          <a:bodyPr rtlCol="0" anchor="ctr"/>
+          <a:lstStyle/>
+          <a:p>
+            <a:pPr algn="ctr"/>
+            <a:endParaRPr lang="en-US"/>
+          </a:p>
+        </p:txBody>
+      </p:sp>
     </p:spTree>
     <p:extLst>
       <p:ext uri="{BB962C8B-B14F-4D97-AF65-F5344CB8AC3E}">
@@ -4458,6 +6193,84 @@
       </p:transition>
     </mc:Fallback>
   </mc:AlternateContent>
+  <p:timing>
+    <p:tnLst>
+      <p:par>
+        <p:cTn id="1" dur="indefinite" restart="never" nodeType="tmRoot">
+          <p:childTnLst>
+            <p:seq concurrent="1" nextAc="seek">
+              <p:cTn id="2" dur="indefinite" nodeType="mainSeq">
+                <p:childTnLst>
+                  <p:par>
+                    <p:cTn id="3" fill="hold">
+                      <p:stCondLst>
+                        <p:cond delay="indefinite"/>
+                      </p:stCondLst>
+                      <p:childTnLst>
+                        <p:par>
+                          <p:cTn id="4" fill="hold">
+                            <p:stCondLst>
+                              <p:cond delay="0"/>
+                            </p:stCondLst>
+                            <p:childTnLst>
+                              <p:par>
+                                <p:cTn id="5" presetID="1" presetClass="entr" presetSubtype="0" fill="hold" grpId="0" nodeType="clickEffect">
+                                  <p:stCondLst>
+                                    <p:cond delay="0"/>
+                                  </p:stCondLst>
+                                  <p:childTnLst>
+                                    <p:set>
+                                      <p:cBhvr>
+                                        <p:cTn id="6" dur="1" fill="hold">
+                                          <p:stCondLst>
+                                            <p:cond delay="0"/>
+                                          </p:stCondLst>
+                                        </p:cTn>
+                                        <p:tgtEl>
+                                          <p:spTgt spid="2"/>
+                                        </p:tgtEl>
+                                        <p:attrNameLst>
+                                          <p:attrName>style.visibility</p:attrName>
+                                        </p:attrNameLst>
+                                      </p:cBhvr>
+                                      <p:to>
+                                        <p:strVal val="visible"/>
+                                      </p:to>
+                                    </p:set>
+                                  </p:childTnLst>
+                                </p:cTn>
+                              </p:par>
+                            </p:childTnLst>
+                          </p:cTn>
+                        </p:par>
+                      </p:childTnLst>
+                    </p:cTn>
+                  </p:par>
+                </p:childTnLst>
+              </p:cTn>
+              <p:prevCondLst>
+                <p:cond evt="onPrev" delay="0">
+                  <p:tgtEl>
+                    <p:sldTgt/>
+                  </p:tgtEl>
+                </p:cond>
+              </p:prevCondLst>
+              <p:nextCondLst>
+                <p:cond evt="onNext" delay="0">
+                  <p:tgtEl>
+                    <p:sldTgt/>
+                  </p:tgtEl>
+                </p:cond>
+              </p:nextCondLst>
+            </p:seq>
+          </p:childTnLst>
+        </p:cTn>
+      </p:par>
+    </p:tnLst>
+    <p:bldLst>
+      <p:bldP spid="2" grpId="0" animBg="1"/>
+    </p:bldLst>
+  </p:timing>
 </p:sld>
 </file>
 
